--- a/public/user/output/U201812791-刘棫欣-1.《喜马拉雅FM免费增值策略对用户留存的影响的实证研究》/output_5_1.pptx
+++ b/public/user/output/U201812791-刘棫欣-1.《喜马拉雅FM免费增值策略对用户留存的影响的实证研究》/output_5_1.pptx
@@ -3619,7 +3619,7 @@
               </a:defRPr>
             </a:pPr>
             <a:r>
-              <a:t>1. 数据维度</a:t>
+              <a:t>1. 数据源</a:t>
             </a:r>
           </a:p>
         </p:txBody>
@@ -3655,7 +3655,7 @@
               </a:defRPr>
             </a:pPr>
             <a:r>
-              <a:t>- 喜马拉雅FM数据分用户、专辑、章节三个维度。</a:t>
+              <a:t>- 喜马拉雅FM三个终端的URL如表3-1所示。</a:t>
             </a:r>
           </a:p>
         </p:txBody>
@@ -3691,7 +3691,7 @@
               </a:defRPr>
             </a:pPr>
             <a:r>
-              <a:t>2. 用户分类</a:t>
+              <a:t>2. 数据维度</a:t>
             </a:r>
           </a:p>
         </p:txBody>
@@ -3727,7 +3727,7 @@
               </a:defRPr>
             </a:pPr>
             <a:r>
-              <a:t>- 用户分为主播与普通用户。</a:t>
+              <a:t>- 用户（User），含主播与普通用户。</a:t>
             </a:r>
           </a:p>
         </p:txBody>
